--- a/Oemof_Workshop_08_Kickoff_Thursday.pptx
+++ b/Oemof_Workshop_08_Kickoff_Thursday.pptx
@@ -212,7 +212,7 @@
           <a:p>
             <a:fld id="{6BD11D3B-DADA-9042-8997-28ACE677BFD3}" type="datetimeFigureOut">
               <a:rPr lang="de-DE" smtClean="0"/>
-              <a:t>15.09.2019</a:t>
+              <a:t>17.09.2019</a:t>
             </a:fld>
             <a:endParaRPr lang="de-DE"/>
           </a:p>
@@ -10567,14 +10567,14 @@
           <p:nvPr>
             <p:extLst>
               <p:ext uri="{D42A27DB-BD31-4B8C-83A1-F6EECF244321}">
-                <p14:modId xmlns:p14="http://schemas.microsoft.com/office/powerpoint/2010/main" val="1395100381"/>
+                <p14:modId xmlns:p14="http://schemas.microsoft.com/office/powerpoint/2010/main" val="1951824112"/>
               </p:ext>
             </p:extLst>
           </p:nvPr>
         </p:nvGraphicFramePr>
         <p:xfrm>
-          <a:off x="972782" y="1307694"/>
-          <a:ext cx="7256818" cy="4841241"/>
+          <a:off x="972782" y="1307695"/>
+          <a:ext cx="7256818" cy="4571453"/>
         </p:xfrm>
         <a:graphic>
           <a:graphicData uri="http://schemas.openxmlformats.org/drawingml/2006/table">
@@ -10612,7 +10612,7 @@
                   </a:extLst>
                 </a:gridCol>
               </a:tblGrid>
-              <a:tr h="386992">
+              <a:tr h="350581">
                 <a:tc gridSpan="2">
                   <a:txBody>
                     <a:bodyPr/>
@@ -10737,7 +10737,7 @@
                   </a:ext>
                 </a:extLst>
               </a:tr>
-              <a:tr h="521848">
+              <a:tr h="472749">
                 <a:tc>
                   <a:txBody>
                     <a:bodyPr/>
@@ -10900,7 +10900,7 @@
                   </a:ext>
                 </a:extLst>
               </a:tr>
-              <a:tr h="497233">
+              <a:tr h="450450">
                 <a:tc>
                   <a:txBody>
                     <a:bodyPr/>
@@ -11063,7 +11063,7 @@
                   </a:ext>
                 </a:extLst>
               </a:tr>
-              <a:tr h="494368">
+              <a:tr h="447854">
                 <a:tc>
                   <a:txBody>
                     <a:bodyPr/>
@@ -11228,7 +11228,7 @@
                   </a:ext>
                 </a:extLst>
               </a:tr>
-              <a:tr h="386992">
+              <a:tr h="350581">
                 <a:tc>
                   <a:txBody>
                     <a:bodyPr/>
@@ -11373,7 +11373,7 @@
                   </a:ext>
                 </a:extLst>
               </a:tr>
-              <a:tr h="386992">
+              <a:tr h="350581">
                 <a:tc>
                   <a:txBody>
                     <a:bodyPr/>
@@ -11552,7 +11552,7 @@
                   </a:ext>
                 </a:extLst>
               </a:tr>
-              <a:tr h="332016">
+              <a:tr h="331347">
                 <a:tc>
                   <a:txBody>
                     <a:bodyPr/>
@@ -11702,7 +11702,7 @@
                   </a:ext>
                 </a:extLst>
               </a:tr>
-              <a:tr h="386992">
+              <a:tr h="350581">
                 <a:tc>
                   <a:txBody>
                     <a:bodyPr/>
@@ -11860,7 +11860,7 @@
                   </a:ext>
                 </a:extLst>
               </a:tr>
-              <a:tr h="494368">
+              <a:tr h="579856">
                 <a:tc>
                   <a:txBody>
                     <a:bodyPr/>
@@ -12018,7 +12018,7 @@
                   </a:ext>
                 </a:extLst>
               </a:tr>
-              <a:tr h="386992">
+              <a:tr h="350581">
                 <a:tc>
                   <a:txBody>
                     <a:bodyPr/>
@@ -12164,7 +12164,7 @@
                   </a:ext>
                 </a:extLst>
               </a:tr>
-              <a:tr h="386992">
+              <a:tr h="350581">
                 <a:tc>
                   <a:txBody>
                     <a:bodyPr/>
@@ -12334,6 +12334,402 @@
           </a:graphicData>
         </a:graphic>
       </p:graphicFrame>
+      <p:sp>
+        <p:nvSpPr>
+          <p:cNvPr id="5" name="Textfeld 4"/>
+          <p:cNvSpPr txBox="1"/>
+          <p:nvPr/>
+        </p:nvSpPr>
+        <p:spPr>
+          <a:xfrm>
+            <a:off x="972782" y="5879148"/>
+            <a:ext cx="7256818" cy="507831"/>
+          </a:xfrm>
+          <a:prstGeom prst="rect">
+            <a:avLst/>
+          </a:prstGeom>
+          <a:noFill/>
+        </p:spPr>
+        <p:txBody>
+          <a:bodyPr wrap="square" rtlCol="0">
+            <a:spAutoFit/>
+          </a:bodyPr>
+          <a:lstStyle/>
+          <a:p>
+            <a:r>
+              <a:rPr lang="de-DE" b="1" dirty="0" smtClean="0">
+                <a:solidFill>
+                  <a:srgbClr val="FF0000"/>
+                </a:solidFill>
+                <a:latin typeface="Roboto Light" panose="02000000000000000000" pitchFamily="2" charset="0"/>
+                <a:ea typeface="Roboto Light" panose="02000000000000000000" pitchFamily="2" charset="0"/>
+                <a:cs typeface="Roboto Light" panose="02000000000000000000" pitchFamily="2" charset="0"/>
+              </a:rPr>
+              <a:t>Attention! Tomorrow, </a:t>
+            </a:r>
+            <a:r>
+              <a:rPr lang="de-DE" b="1" dirty="0" err="1" smtClean="0">
+                <a:solidFill>
+                  <a:srgbClr val="FF0000"/>
+                </a:solidFill>
+                <a:latin typeface="Roboto Light" panose="02000000000000000000" pitchFamily="2" charset="0"/>
+                <a:ea typeface="Roboto Light" panose="02000000000000000000" pitchFamily="2" charset="0"/>
+                <a:cs typeface="Roboto Light" panose="02000000000000000000" pitchFamily="2" charset="0"/>
+              </a:rPr>
+              <a:t>Friday</a:t>
+            </a:r>
+            <a:r>
+              <a:rPr lang="de-DE" b="1" dirty="0" smtClean="0">
+                <a:solidFill>
+                  <a:srgbClr val="FF0000"/>
+                </a:solidFill>
+                <a:latin typeface="Roboto Light" panose="02000000000000000000" pitchFamily="2" charset="0"/>
+                <a:ea typeface="Roboto Light" panose="02000000000000000000" pitchFamily="2" charset="0"/>
+                <a:cs typeface="Roboto Light" panose="02000000000000000000" pitchFamily="2" charset="0"/>
+              </a:rPr>
+              <a:t> 20th, </a:t>
+            </a:r>
+            <a:r>
+              <a:rPr lang="de-DE" b="1" dirty="0" err="1" smtClean="0">
+                <a:solidFill>
+                  <a:srgbClr val="FF0000"/>
+                </a:solidFill>
+                <a:latin typeface="Roboto Light" panose="02000000000000000000" pitchFamily="2" charset="0"/>
+                <a:ea typeface="Roboto Light" panose="02000000000000000000" pitchFamily="2" charset="0"/>
+                <a:cs typeface="Roboto Light" panose="02000000000000000000" pitchFamily="2" charset="0"/>
+              </a:rPr>
+              <a:t>we</a:t>
+            </a:r>
+            <a:r>
+              <a:rPr lang="de-DE" b="1" dirty="0" smtClean="0">
+                <a:solidFill>
+                  <a:srgbClr val="FF0000"/>
+                </a:solidFill>
+                <a:latin typeface="Roboto Light" panose="02000000000000000000" pitchFamily="2" charset="0"/>
+                <a:ea typeface="Roboto Light" panose="02000000000000000000" pitchFamily="2" charset="0"/>
+                <a:cs typeface="Roboto Light" panose="02000000000000000000" pitchFamily="2" charset="0"/>
+              </a:rPr>
+              <a:t> </a:t>
+            </a:r>
+            <a:r>
+              <a:rPr lang="de-DE" b="1" dirty="0" err="1" smtClean="0">
+                <a:solidFill>
+                  <a:srgbClr val="FF0000"/>
+                </a:solidFill>
+                <a:latin typeface="Roboto Light" panose="02000000000000000000" pitchFamily="2" charset="0"/>
+                <a:ea typeface="Roboto Light" panose="02000000000000000000" pitchFamily="2" charset="0"/>
+                <a:cs typeface="Roboto Light" panose="02000000000000000000" pitchFamily="2" charset="0"/>
+              </a:rPr>
+              <a:t>meet</a:t>
+            </a:r>
+            <a:r>
+              <a:rPr lang="de-DE" b="1" dirty="0" smtClean="0">
+                <a:solidFill>
+                  <a:srgbClr val="FF0000"/>
+                </a:solidFill>
+                <a:latin typeface="Roboto Light" panose="02000000000000000000" pitchFamily="2" charset="0"/>
+                <a:ea typeface="Roboto Light" panose="02000000000000000000" pitchFamily="2" charset="0"/>
+                <a:cs typeface="Roboto Light" panose="02000000000000000000" pitchFamily="2" charset="0"/>
+              </a:rPr>
+              <a:t> in </a:t>
+            </a:r>
+            <a:r>
+              <a:rPr lang="de-DE" b="1" dirty="0" err="1" smtClean="0">
+                <a:solidFill>
+                  <a:srgbClr val="FF0000"/>
+                </a:solidFill>
+                <a:latin typeface="Roboto Light" panose="02000000000000000000" pitchFamily="2" charset="0"/>
+                <a:ea typeface="Roboto Light" panose="02000000000000000000" pitchFamily="2" charset="0"/>
+                <a:cs typeface="Roboto Light" panose="02000000000000000000" pitchFamily="2" charset="0"/>
+              </a:rPr>
+              <a:t>the</a:t>
+            </a:r>
+            <a:r>
+              <a:rPr lang="de-DE" b="1" dirty="0">
+                <a:solidFill>
+                  <a:srgbClr val="FF0000"/>
+                </a:solidFill>
+                <a:latin typeface="Roboto Light" panose="02000000000000000000" pitchFamily="2" charset="0"/>
+                <a:ea typeface="Roboto Light" panose="02000000000000000000" pitchFamily="2" charset="0"/>
+                <a:cs typeface="Roboto Light" panose="02000000000000000000" pitchFamily="2" charset="0"/>
+              </a:rPr>
+              <a:t> </a:t>
+            </a:r>
+            <a:r>
+              <a:rPr lang="de-DE" b="1" dirty="0" err="1" smtClean="0">
+                <a:solidFill>
+                  <a:srgbClr val="FF0000"/>
+                </a:solidFill>
+                <a:latin typeface="Roboto Light" panose="02000000000000000000" pitchFamily="2" charset="0"/>
+                <a:ea typeface="Roboto Light" panose="02000000000000000000" pitchFamily="2" charset="0"/>
+                <a:cs typeface="Roboto Light" panose="02000000000000000000" pitchFamily="2" charset="0"/>
+              </a:rPr>
+              <a:t>foyer</a:t>
+            </a:r>
+            <a:r>
+              <a:rPr lang="de-DE" b="1" dirty="0" smtClean="0">
+                <a:solidFill>
+                  <a:srgbClr val="FF0000"/>
+                </a:solidFill>
+                <a:latin typeface="Roboto Light" panose="02000000000000000000" pitchFamily="2" charset="0"/>
+                <a:ea typeface="Roboto Light" panose="02000000000000000000" pitchFamily="2" charset="0"/>
+                <a:cs typeface="Roboto Light" panose="02000000000000000000" pitchFamily="2" charset="0"/>
+              </a:rPr>
+              <a:t> </a:t>
+            </a:r>
+            <a:r>
+              <a:rPr lang="de-DE" b="1" dirty="0" err="1" smtClean="0">
+                <a:solidFill>
+                  <a:srgbClr val="FF0000"/>
+                </a:solidFill>
+                <a:latin typeface="Roboto Light" panose="02000000000000000000" pitchFamily="2" charset="0"/>
+                <a:ea typeface="Roboto Light" panose="02000000000000000000" pitchFamily="2" charset="0"/>
+                <a:cs typeface="Roboto Light" panose="02000000000000000000" pitchFamily="2" charset="0"/>
+              </a:rPr>
+              <a:t>of</a:t>
+            </a:r>
+            <a:r>
+              <a:rPr lang="de-DE" b="1" dirty="0" smtClean="0">
+                <a:solidFill>
+                  <a:srgbClr val="FF0000"/>
+                </a:solidFill>
+                <a:latin typeface="Roboto Light" panose="02000000000000000000" pitchFamily="2" charset="0"/>
+                <a:ea typeface="Roboto Light" panose="02000000000000000000" pitchFamily="2" charset="0"/>
+                <a:cs typeface="Roboto Light" panose="02000000000000000000" pitchFamily="2" charset="0"/>
+              </a:rPr>
+              <a:t> Volkswagenbibliothek </a:t>
+            </a:r>
+            <a:r>
+              <a:rPr lang="de-DE" b="1" dirty="0" err="1" smtClean="0">
+                <a:solidFill>
+                  <a:srgbClr val="FF0000"/>
+                </a:solidFill>
+                <a:latin typeface="Roboto Light" panose="02000000000000000000" pitchFamily="2" charset="0"/>
+                <a:ea typeface="Roboto Light" panose="02000000000000000000" pitchFamily="2" charset="0"/>
+                <a:cs typeface="Roboto Light" panose="02000000000000000000" pitchFamily="2" charset="0"/>
+              </a:rPr>
+              <a:t>of</a:t>
+            </a:r>
+            <a:r>
+              <a:rPr lang="de-DE" b="1" dirty="0" smtClean="0">
+                <a:solidFill>
+                  <a:srgbClr val="FF0000"/>
+                </a:solidFill>
+                <a:latin typeface="Roboto Light" panose="02000000000000000000" pitchFamily="2" charset="0"/>
+                <a:ea typeface="Roboto Light" panose="02000000000000000000" pitchFamily="2" charset="0"/>
+                <a:cs typeface="Roboto Light" panose="02000000000000000000" pitchFamily="2" charset="0"/>
+              </a:rPr>
+              <a:t> </a:t>
+            </a:r>
+            <a:r>
+              <a:rPr lang="de-DE" b="1" dirty="0" err="1" smtClean="0">
+                <a:solidFill>
+                  <a:srgbClr val="FF0000"/>
+                </a:solidFill>
+                <a:latin typeface="Roboto Light" panose="02000000000000000000" pitchFamily="2" charset="0"/>
+                <a:ea typeface="Roboto Light" panose="02000000000000000000" pitchFamily="2" charset="0"/>
+                <a:cs typeface="Roboto Light" panose="02000000000000000000" pitchFamily="2" charset="0"/>
+              </a:rPr>
+              <a:t>the</a:t>
+            </a:r>
+            <a:r>
+              <a:rPr lang="de-DE" b="1" dirty="0" smtClean="0">
+                <a:solidFill>
+                  <a:srgbClr val="FF0000"/>
+                </a:solidFill>
+                <a:latin typeface="Roboto Light" panose="02000000000000000000" pitchFamily="2" charset="0"/>
+                <a:ea typeface="Roboto Light" panose="02000000000000000000" pitchFamily="2" charset="0"/>
+                <a:cs typeface="Roboto Light" panose="02000000000000000000" pitchFamily="2" charset="0"/>
+              </a:rPr>
+              <a:t> Berlin </a:t>
+            </a:r>
+            <a:r>
+              <a:rPr lang="de-DE" b="1" dirty="0" err="1" smtClean="0">
+                <a:solidFill>
+                  <a:srgbClr val="FF0000"/>
+                </a:solidFill>
+                <a:latin typeface="Roboto Light" panose="02000000000000000000" pitchFamily="2" charset="0"/>
+                <a:ea typeface="Roboto Light" panose="02000000000000000000" pitchFamily="2" charset="0"/>
+                <a:cs typeface="Roboto Light" panose="02000000000000000000" pitchFamily="2" charset="0"/>
+              </a:rPr>
+              <a:t>institute</a:t>
+            </a:r>
+            <a:r>
+              <a:rPr lang="de-DE" b="1" dirty="0" smtClean="0">
+                <a:solidFill>
+                  <a:srgbClr val="FF0000"/>
+                </a:solidFill>
+                <a:latin typeface="Roboto Light" panose="02000000000000000000" pitchFamily="2" charset="0"/>
+                <a:ea typeface="Roboto Light" panose="02000000000000000000" pitchFamily="2" charset="0"/>
+                <a:cs typeface="Roboto Light" panose="02000000000000000000" pitchFamily="2" charset="0"/>
+              </a:rPr>
+              <a:t> </a:t>
+            </a:r>
+            <a:r>
+              <a:rPr lang="de-DE" b="1" dirty="0" err="1" smtClean="0">
+                <a:solidFill>
+                  <a:srgbClr val="FF0000"/>
+                </a:solidFill>
+                <a:latin typeface="Roboto Light" panose="02000000000000000000" pitchFamily="2" charset="0"/>
+                <a:ea typeface="Roboto Light" panose="02000000000000000000" pitchFamily="2" charset="0"/>
+                <a:cs typeface="Roboto Light" panose="02000000000000000000" pitchFamily="2" charset="0"/>
+              </a:rPr>
+              <a:t>of</a:t>
+            </a:r>
+            <a:r>
+              <a:rPr lang="de-DE" b="1" dirty="0" smtClean="0">
+                <a:solidFill>
+                  <a:srgbClr val="FF0000"/>
+                </a:solidFill>
+                <a:latin typeface="Roboto Light" panose="02000000000000000000" pitchFamily="2" charset="0"/>
+                <a:ea typeface="Roboto Light" panose="02000000000000000000" pitchFamily="2" charset="0"/>
+                <a:cs typeface="Roboto Light" panose="02000000000000000000" pitchFamily="2" charset="0"/>
+              </a:rPr>
+              <a:t> Technology (S Zoologischer Garten). </a:t>
+            </a:r>
+            <a:r>
+              <a:rPr lang="de-DE" b="1" dirty="0" err="1" smtClean="0">
+                <a:solidFill>
+                  <a:srgbClr val="FF0000"/>
+                </a:solidFill>
+                <a:latin typeface="Roboto Light" panose="02000000000000000000" pitchFamily="2" charset="0"/>
+                <a:ea typeface="Roboto Light" panose="02000000000000000000" pitchFamily="2" charset="0"/>
+                <a:cs typeface="Roboto Light" panose="02000000000000000000" pitchFamily="2" charset="0"/>
+              </a:rPr>
+              <a:t>We</a:t>
+            </a:r>
+            <a:r>
+              <a:rPr lang="de-DE" b="1" dirty="0" smtClean="0">
+                <a:solidFill>
+                  <a:srgbClr val="FF0000"/>
+                </a:solidFill>
+                <a:latin typeface="Roboto Light" panose="02000000000000000000" pitchFamily="2" charset="0"/>
+                <a:ea typeface="Roboto Light" panose="02000000000000000000" pitchFamily="2" charset="0"/>
+                <a:cs typeface="Roboto Light" panose="02000000000000000000" pitchFamily="2" charset="0"/>
+              </a:rPr>
+              <a:t> will </a:t>
+            </a:r>
+            <a:r>
+              <a:rPr lang="de-DE" b="1" dirty="0" err="1" smtClean="0">
+                <a:solidFill>
+                  <a:srgbClr val="FF0000"/>
+                </a:solidFill>
+                <a:latin typeface="Roboto Light" panose="02000000000000000000" pitchFamily="2" charset="0"/>
+                <a:ea typeface="Roboto Light" panose="02000000000000000000" pitchFamily="2" charset="0"/>
+                <a:cs typeface="Roboto Light" panose="02000000000000000000" pitchFamily="2" charset="0"/>
+              </a:rPr>
+              <a:t>spend</a:t>
+            </a:r>
+            <a:r>
+              <a:rPr lang="de-DE" b="1" dirty="0" smtClean="0">
+                <a:solidFill>
+                  <a:srgbClr val="FF0000"/>
+                </a:solidFill>
+                <a:latin typeface="Roboto Light" panose="02000000000000000000" pitchFamily="2" charset="0"/>
+                <a:ea typeface="Roboto Light" panose="02000000000000000000" pitchFamily="2" charset="0"/>
+                <a:cs typeface="Roboto Light" panose="02000000000000000000" pitchFamily="2" charset="0"/>
+              </a:rPr>
+              <a:t> </a:t>
+            </a:r>
+            <a:r>
+              <a:rPr lang="de-DE" b="1" dirty="0" err="1" smtClean="0">
+                <a:solidFill>
+                  <a:srgbClr val="FF0000"/>
+                </a:solidFill>
+                <a:latin typeface="Roboto Light" panose="02000000000000000000" pitchFamily="2" charset="0"/>
+                <a:ea typeface="Roboto Light" panose="02000000000000000000" pitchFamily="2" charset="0"/>
+                <a:cs typeface="Roboto Light" panose="02000000000000000000" pitchFamily="2" charset="0"/>
+              </a:rPr>
+              <a:t>the</a:t>
+            </a:r>
+            <a:r>
+              <a:rPr lang="de-DE" b="1" dirty="0" smtClean="0">
+                <a:solidFill>
+                  <a:srgbClr val="FF0000"/>
+                </a:solidFill>
+                <a:latin typeface="Roboto Light" panose="02000000000000000000" pitchFamily="2" charset="0"/>
+                <a:ea typeface="Roboto Light" panose="02000000000000000000" pitchFamily="2" charset="0"/>
+                <a:cs typeface="Roboto Light" panose="02000000000000000000" pitchFamily="2" charset="0"/>
+              </a:rPr>
+              <a:t> </a:t>
+            </a:r>
+            <a:r>
+              <a:rPr lang="de-DE" b="1" dirty="0" err="1" smtClean="0">
+                <a:solidFill>
+                  <a:srgbClr val="FF0000"/>
+                </a:solidFill>
+                <a:latin typeface="Roboto Light" panose="02000000000000000000" pitchFamily="2" charset="0"/>
+                <a:ea typeface="Roboto Light" panose="02000000000000000000" pitchFamily="2" charset="0"/>
+                <a:cs typeface="Roboto Light" panose="02000000000000000000" pitchFamily="2" charset="0"/>
+              </a:rPr>
+              <a:t>day</a:t>
+            </a:r>
+            <a:r>
+              <a:rPr lang="de-DE" b="1" dirty="0" smtClean="0">
+                <a:solidFill>
+                  <a:srgbClr val="FF0000"/>
+                </a:solidFill>
+                <a:latin typeface="Roboto Light" panose="02000000000000000000" pitchFamily="2" charset="0"/>
+                <a:ea typeface="Roboto Light" panose="02000000000000000000" pitchFamily="2" charset="0"/>
+                <a:cs typeface="Roboto Light" panose="02000000000000000000" pitchFamily="2" charset="0"/>
+              </a:rPr>
+              <a:t> </a:t>
+            </a:r>
+            <a:r>
+              <a:rPr lang="de-DE" b="1" dirty="0" err="1" smtClean="0">
+                <a:solidFill>
+                  <a:srgbClr val="FF0000"/>
+                </a:solidFill>
+                <a:latin typeface="Roboto Light" panose="02000000000000000000" pitchFamily="2" charset="0"/>
+                <a:ea typeface="Roboto Light" panose="02000000000000000000" pitchFamily="2" charset="0"/>
+                <a:cs typeface="Roboto Light" panose="02000000000000000000" pitchFamily="2" charset="0"/>
+              </a:rPr>
+              <a:t>there</a:t>
+            </a:r>
+            <a:r>
+              <a:rPr lang="de-DE" b="1" dirty="0" smtClean="0">
+                <a:solidFill>
+                  <a:srgbClr val="FF0000"/>
+                </a:solidFill>
+                <a:latin typeface="Roboto Light" panose="02000000000000000000" pitchFamily="2" charset="0"/>
+                <a:ea typeface="Roboto Light" panose="02000000000000000000" pitchFamily="2" charset="0"/>
+                <a:cs typeface="Roboto Light" panose="02000000000000000000" pitchFamily="2" charset="0"/>
+              </a:rPr>
+              <a:t> (</a:t>
+            </a:r>
+            <a:r>
+              <a:rPr lang="de-DE" b="1" dirty="0" err="1" smtClean="0">
+                <a:solidFill>
+                  <a:srgbClr val="FF0000"/>
+                </a:solidFill>
+                <a:latin typeface="Roboto Light" panose="02000000000000000000" pitchFamily="2" charset="0"/>
+                <a:ea typeface="Roboto Light" panose="02000000000000000000" pitchFamily="2" charset="0"/>
+                <a:cs typeface="Roboto Light" panose="02000000000000000000" pitchFamily="2" charset="0"/>
+              </a:rPr>
+              <a:t>room</a:t>
+            </a:r>
+            <a:r>
+              <a:rPr lang="de-DE" b="1" dirty="0" smtClean="0">
+                <a:solidFill>
+                  <a:srgbClr val="FF0000"/>
+                </a:solidFill>
+                <a:latin typeface="Roboto Light" panose="02000000000000000000" pitchFamily="2" charset="0"/>
+                <a:ea typeface="Roboto Light" panose="02000000000000000000" pitchFamily="2" charset="0"/>
+                <a:cs typeface="Roboto Light" panose="02000000000000000000" pitchFamily="2" charset="0"/>
+              </a:rPr>
+              <a:t> 211).</a:t>
+            </a:r>
+            <a:endParaRPr lang="en-GB" b="1" dirty="0">
+              <a:solidFill>
+                <a:srgbClr val="FF0000"/>
+              </a:solidFill>
+              <a:latin typeface="Roboto Light" panose="02000000000000000000" pitchFamily="2" charset="0"/>
+              <a:ea typeface="Roboto Light" panose="02000000000000000000" pitchFamily="2" charset="0"/>
+              <a:cs typeface="Roboto Light" panose="02000000000000000000" pitchFamily="2" charset="0"/>
+            </a:endParaRPr>
+          </a:p>
+        </p:txBody>
+      </p:sp>
     </p:spTree>
     <p:extLst>
       <p:ext uri="{BB962C8B-B14F-4D97-AF65-F5344CB8AC3E}">

--- a/Oemof_Workshop_08_Kickoff_Thursday.pptx
+++ b/Oemof_Workshop_08_Kickoff_Thursday.pptx
@@ -5,14 +5,13 @@
     <p:sldMasterId id="2147483660" r:id="rId1"/>
   </p:sldMasterIdLst>
   <p:notesMasterIdLst>
-    <p:notesMasterId r:id="rId7"/>
+    <p:notesMasterId r:id="rId6"/>
   </p:notesMasterIdLst>
   <p:sldIdLst>
     <p:sldId id="333" r:id="rId2"/>
-    <p:sldId id="328" r:id="rId3"/>
-    <p:sldId id="334" r:id="rId4"/>
-    <p:sldId id="304" r:id="rId5"/>
-    <p:sldId id="302" r:id="rId6"/>
+    <p:sldId id="334" r:id="rId3"/>
+    <p:sldId id="304" r:id="rId4"/>
+    <p:sldId id="302" r:id="rId5"/>
   </p:sldIdLst>
   <p:sldSz cx="9144000" cy="6858000" type="screen4x3"/>
   <p:notesSz cx="6858000" cy="9144000"/>
@@ -212,7 +211,7 @@
           <a:p>
             <a:fld id="{6BD11D3B-DADA-9042-8997-28ACE677BFD3}" type="datetimeFigureOut">
               <a:rPr lang="de-DE" smtClean="0"/>
-              <a:t>17.09.2019</a:t>
+              <a:t>19.09.2019</a:t>
             </a:fld>
             <a:endParaRPr lang="de-DE"/>
           </a:p>
@@ -613,27 +612,61 @@
           <a:bodyPr/>
           <a:lstStyle/>
           <a:p>
-            <a:r>
-              <a:rPr lang="de-DE" dirty="0" smtClean="0"/>
-              <a:t>Call</a:t>
-            </a:r>
-            <a:r>
-              <a:rPr lang="de-DE" baseline="0" dirty="0" smtClean="0"/>
-              <a:t> </a:t>
-            </a:r>
-            <a:r>
-              <a:rPr lang="de-DE" baseline="0" dirty="0" err="1" smtClean="0"/>
-              <a:t>for</a:t>
-            </a:r>
-            <a:r>
-              <a:rPr lang="de-DE" baseline="0" dirty="0" smtClean="0"/>
-              <a:t> </a:t>
-            </a:r>
-            <a:r>
-              <a:rPr lang="de-DE" baseline="0" dirty="0" err="1" smtClean="0"/>
-              <a:t>attention</a:t>
-            </a:r>
-            <a:endParaRPr lang="de-DE" baseline="0" dirty="0" smtClean="0"/>
+            <a:pPr marL="0" marR="0" indent="0" algn="l" defTabSz="914400" rtl="0" eaLnBrk="1" fontAlgn="auto" latinLnBrk="0" hangingPunct="1">
+              <a:lnSpc>
+                <a:spcPct val="100000"/>
+              </a:lnSpc>
+              <a:spcBef>
+                <a:spcPts val="0"/>
+              </a:spcBef>
+              <a:spcAft>
+                <a:spcPts val="0"/>
+              </a:spcAft>
+              <a:buClrTx/>
+              <a:buSzTx/>
+              <a:buFontTx/>
+              <a:buNone/>
+              <a:tabLst/>
+              <a:defRPr/>
+            </a:pPr>
+            <a:r>
+              <a:rPr lang="de-DE" dirty="0"/>
+              <a:t>Erhöhte Versorgungssicherheit durch Reduzierung der starken Abhängigkeit von fossilen Brennstoffimporten</a:t>
+            </a:r>
+          </a:p>
+          <a:p>
+            <a:r>
+              <a:rPr lang="de-DE" dirty="0"/>
+              <a:t>Effizienzsteigerung durch Lastoptimierung der Dieselgeneratoren </a:t>
+            </a:r>
+            <a:r>
+              <a:rPr lang="de-DE" dirty="0">
+                <a:sym typeface="Wingdings" panose="05000000000000000000" pitchFamily="2" charset="2"/>
+              </a:rPr>
+              <a:t> Vermeidung von </a:t>
+            </a:r>
+            <a:r>
+              <a:rPr lang="de-DE" dirty="0" err="1">
+                <a:sym typeface="Wingdings" panose="05000000000000000000" pitchFamily="2" charset="2"/>
+              </a:rPr>
+              <a:t>Teillast</a:t>
+            </a:r>
+            <a:endParaRPr lang="de-DE" dirty="0"/>
+          </a:p>
+          <a:p>
+            <a:r>
+              <a:rPr lang="de-DE" dirty="0"/>
+              <a:t>Erhöhte Versorgungssicherheit durch Reduzierung der starken Abhängigkeit von fossilen Brennstoffimporten</a:t>
+            </a:r>
+          </a:p>
+          <a:p>
+            <a:r>
+              <a:rPr lang="de-DE" dirty="0"/>
+              <a:t>Senkung der Stromgestehungskosten durch kompetitive und zuverlässige Technologien</a:t>
+            </a:r>
+          </a:p>
+          <a:p>
+            <a:endParaRPr lang="de-DE" dirty="0"/>
           </a:p>
         </p:txBody>
       </p:sp>
@@ -663,7 +696,7 @@
     </p:spTree>
     <p:extLst>
       <p:ext uri="{BB962C8B-B14F-4D97-AF65-F5344CB8AC3E}">
-        <p14:creationId xmlns:p14="http://schemas.microsoft.com/office/powerpoint/2010/main" val="1838458626"/>
+        <p14:creationId xmlns:p14="http://schemas.microsoft.com/office/powerpoint/2010/main" val="1472901136"/>
       </p:ext>
     </p:extLst>
   </p:cSld>
@@ -717,61 +750,27 @@
           <a:bodyPr/>
           <a:lstStyle/>
           <a:p>
-            <a:pPr marL="0" marR="0" indent="0" algn="l" defTabSz="914400" rtl="0" eaLnBrk="1" fontAlgn="auto" latinLnBrk="0" hangingPunct="1">
-              <a:lnSpc>
-                <a:spcPct val="100000"/>
-              </a:lnSpc>
-              <a:spcBef>
-                <a:spcPts val="0"/>
-              </a:spcBef>
-              <a:spcAft>
-                <a:spcPts val="0"/>
-              </a:spcAft>
-              <a:buClrTx/>
-              <a:buSzTx/>
-              <a:buFontTx/>
-              <a:buNone/>
-              <a:tabLst/>
-              <a:defRPr/>
-            </a:pPr>
-            <a:r>
-              <a:rPr lang="de-DE" dirty="0"/>
-              <a:t>Erhöhte Versorgungssicherheit durch Reduzierung der starken Abhängigkeit von fossilen Brennstoffimporten</a:t>
-            </a:r>
-          </a:p>
-          <a:p>
-            <a:r>
-              <a:rPr lang="de-DE" dirty="0"/>
-              <a:t>Effizienzsteigerung durch Lastoptimierung der Dieselgeneratoren </a:t>
-            </a:r>
-            <a:r>
-              <a:rPr lang="de-DE" dirty="0">
-                <a:sym typeface="Wingdings" panose="05000000000000000000" pitchFamily="2" charset="2"/>
-              </a:rPr>
-              <a:t> Vermeidung von </a:t>
-            </a:r>
-            <a:r>
-              <a:rPr lang="de-DE" dirty="0" err="1">
-                <a:sym typeface="Wingdings" panose="05000000000000000000" pitchFamily="2" charset="2"/>
-              </a:rPr>
-              <a:t>Teillast</a:t>
-            </a:r>
-            <a:endParaRPr lang="de-DE" dirty="0"/>
-          </a:p>
-          <a:p>
-            <a:r>
-              <a:rPr lang="de-DE" dirty="0"/>
-              <a:t>Erhöhte Versorgungssicherheit durch Reduzierung der starken Abhängigkeit von fossilen Brennstoffimporten</a:t>
-            </a:r>
-          </a:p>
-          <a:p>
-            <a:r>
-              <a:rPr lang="de-DE" dirty="0"/>
-              <a:t>Senkung der Stromgestehungskosten durch kompetitive und zuverlässige Technologien</a:t>
-            </a:r>
-          </a:p>
-          <a:p>
-            <a:endParaRPr lang="de-DE" dirty="0"/>
+            <a:r>
+              <a:rPr lang="de-DE" dirty="0" err="1" smtClean="0"/>
+              <a:t>Present</a:t>
+            </a:r>
+            <a:r>
+              <a:rPr lang="de-DE" baseline="0" dirty="0" smtClean="0"/>
+              <a:t> </a:t>
+            </a:r>
+            <a:r>
+              <a:rPr lang="de-DE" baseline="0" dirty="0" err="1" smtClean="0"/>
+              <a:t>daily</a:t>
+            </a:r>
+            <a:r>
+              <a:rPr lang="de-DE" baseline="0" dirty="0" smtClean="0"/>
+              <a:t> </a:t>
+            </a:r>
+            <a:r>
+              <a:rPr lang="de-DE" baseline="0" dirty="0" err="1" smtClean="0"/>
+              <a:t>schedule</a:t>
+            </a:r>
+            <a:endParaRPr lang="de-DE" baseline="0" dirty="0" smtClean="0"/>
           </a:p>
         </p:txBody>
       </p:sp>
@@ -793,110 +792,6 @@
             <a:fld id="{B1E58A51-5952-5047-839D-0803ED9D6A3D}" type="slidenum">
               <a:rPr lang="de-DE" smtClean="0"/>
               <a:t>2</a:t>
-            </a:fld>
-            <a:endParaRPr lang="de-DE"/>
-          </a:p>
-        </p:txBody>
-      </p:sp>
-    </p:spTree>
-    <p:extLst>
-      <p:ext uri="{BB962C8B-B14F-4D97-AF65-F5344CB8AC3E}">
-        <p14:creationId xmlns:p14="http://schemas.microsoft.com/office/powerpoint/2010/main" val="1472901136"/>
-      </p:ext>
-    </p:extLst>
-  </p:cSld>
-  <p:clrMapOvr>
-    <a:masterClrMapping/>
-  </p:clrMapOvr>
-</p:notes>
-</file>
-
-<file path=ppt/notesSlides/notesSlide4.xml><?xml version="1.0" encoding="utf-8"?>
-<p:notes xmlns:a="http://schemas.openxmlformats.org/drawingml/2006/main" xmlns:r="http://schemas.openxmlformats.org/officeDocument/2006/relationships" xmlns:p="http://schemas.openxmlformats.org/presentationml/2006/main">
-  <p:cSld>
-    <p:spTree>
-      <p:nvGrpSpPr>
-        <p:cNvPr id="1" name=""/>
-        <p:cNvGrpSpPr/>
-        <p:nvPr/>
-      </p:nvGrpSpPr>
-      <p:grpSpPr>
-        <a:xfrm>
-          <a:off x="0" y="0"/>
-          <a:ext cx="0" cy="0"/>
-          <a:chOff x="0" y="0"/>
-          <a:chExt cx="0" cy="0"/>
-        </a:xfrm>
-      </p:grpSpPr>
-      <p:sp>
-        <p:nvSpPr>
-          <p:cNvPr id="2" name="Folienbildplatzhalter 1"/>
-          <p:cNvSpPr>
-            <a:spLocks noGrp="1" noRot="1" noChangeAspect="1"/>
-          </p:cNvSpPr>
-          <p:nvPr>
-            <p:ph type="sldImg"/>
-          </p:nvPr>
-        </p:nvSpPr>
-        <p:spPr/>
-      </p:sp>
-      <p:sp>
-        <p:nvSpPr>
-          <p:cNvPr id="3" name="Notizenplatzhalter 2"/>
-          <p:cNvSpPr>
-            <a:spLocks noGrp="1"/>
-          </p:cNvSpPr>
-          <p:nvPr>
-            <p:ph type="body" idx="1"/>
-          </p:nvPr>
-        </p:nvSpPr>
-        <p:spPr/>
-        <p:txBody>
-          <a:bodyPr/>
-          <a:lstStyle/>
-          <a:p>
-            <a:r>
-              <a:rPr lang="de-DE" dirty="0" err="1" smtClean="0"/>
-              <a:t>Present</a:t>
-            </a:r>
-            <a:r>
-              <a:rPr lang="de-DE" baseline="0" dirty="0" smtClean="0"/>
-              <a:t> </a:t>
-            </a:r>
-            <a:r>
-              <a:rPr lang="de-DE" baseline="0" dirty="0" err="1" smtClean="0"/>
-              <a:t>daily</a:t>
-            </a:r>
-            <a:r>
-              <a:rPr lang="de-DE" baseline="0" dirty="0" smtClean="0"/>
-              <a:t> </a:t>
-            </a:r>
-            <a:r>
-              <a:rPr lang="de-DE" baseline="0" dirty="0" err="1" smtClean="0"/>
-              <a:t>schedule</a:t>
-            </a:r>
-            <a:endParaRPr lang="de-DE" baseline="0" dirty="0" smtClean="0"/>
-          </a:p>
-        </p:txBody>
-      </p:sp>
-      <p:sp>
-        <p:nvSpPr>
-          <p:cNvPr id="4" name="Foliennummernplatzhalter 3"/>
-          <p:cNvSpPr>
-            <a:spLocks noGrp="1"/>
-          </p:cNvSpPr>
-          <p:nvPr>
-            <p:ph type="sldNum" sz="quarter" idx="10"/>
-          </p:nvPr>
-        </p:nvSpPr>
-        <p:spPr/>
-        <p:txBody>
-          <a:bodyPr/>
-          <a:lstStyle/>
-          <a:p>
-            <a:fld id="{B1E58A51-5952-5047-839D-0803ED9D6A3D}" type="slidenum">
-              <a:rPr lang="de-DE" smtClean="0"/>
-              <a:t>3</a:t>
             </a:fld>
             <a:endParaRPr lang="de-DE"/>
           </a:p>
@@ -9878,7 +9773,7 @@
           <a:p>
             <a:r>
               <a:rPr lang="en-US" dirty="0" smtClean="0"/>
-              <a:t>September 19, 2019</a:t>
+              <a:t>September 16, 2019</a:t>
             </a:r>
             <a:endParaRPr lang="de-DE" dirty="0"/>
           </a:p>
@@ -9960,7 +9855,7 @@
           <a:p>
             <a:r>
               <a:rPr lang="de-DE" dirty="0" err="1" smtClean="0"/>
-              <a:t>Today‘s</a:t>
+              <a:t>Introducing</a:t>
             </a:r>
             <a:r>
               <a:rPr lang="de-DE" dirty="0" smtClean="0"/>
@@ -9968,7 +9863,7 @@
             </a:r>
             <a:r>
               <a:rPr lang="de-DE" dirty="0" err="1" smtClean="0"/>
-              <a:t>goal</a:t>
+              <a:t>words</a:t>
             </a:r>
             <a:endParaRPr lang="de-DE" dirty="0"/>
           </a:p>
@@ -10007,7 +9902,7 @@
               </a:spcAft>
             </a:pPr>
             <a:r>
-              <a:rPr lang="de-DE" sz="3200" dirty="0" err="1" smtClean="0">
+              <a:rPr lang="de-DE" sz="3200" dirty="0" err="1">
                 <a:latin typeface="Roboto Medium" panose="02000000000000000000" pitchFamily="2" charset="0"/>
                 <a:ea typeface="Roboto Medium" panose="02000000000000000000" pitchFamily="2" charset="0"/>
                 <a:cs typeface="Roboto Medium" panose="02000000000000000000" pitchFamily="2" charset="0"/>
@@ -10015,7 +9910,7 @@
               <a:t>Getting</a:t>
             </a:r>
             <a:r>
-              <a:rPr lang="de-DE" sz="3200" dirty="0" smtClean="0">
+              <a:rPr lang="de-DE" sz="3200" dirty="0">
                 <a:latin typeface="Roboto Medium" panose="02000000000000000000" pitchFamily="2" charset="0"/>
                 <a:ea typeface="Roboto Medium" panose="02000000000000000000" pitchFamily="2" charset="0"/>
                 <a:cs typeface="Roboto Medium" panose="02000000000000000000" pitchFamily="2" charset="0"/>
@@ -10023,7 +9918,7 @@
               <a:t> </a:t>
             </a:r>
             <a:r>
-              <a:rPr lang="de-DE" sz="3200" dirty="0" err="1" smtClean="0">
+              <a:rPr lang="de-DE" sz="3200" dirty="0" err="1">
                 <a:latin typeface="Roboto Medium" panose="02000000000000000000" pitchFamily="2" charset="0"/>
                 <a:ea typeface="Roboto Medium" panose="02000000000000000000" pitchFamily="2" charset="0"/>
                 <a:cs typeface="Roboto Medium" panose="02000000000000000000" pitchFamily="2" charset="0"/>
@@ -10031,7 +9926,7 @@
               <a:t>to</a:t>
             </a:r>
             <a:r>
-              <a:rPr lang="de-DE" sz="3200" dirty="0" smtClean="0">
+              <a:rPr lang="de-DE" sz="3200" dirty="0">
                 <a:latin typeface="Roboto Medium" panose="02000000000000000000" pitchFamily="2" charset="0"/>
                 <a:ea typeface="Roboto Medium" panose="02000000000000000000" pitchFamily="2" charset="0"/>
                 <a:cs typeface="Roboto Medium" panose="02000000000000000000" pitchFamily="2" charset="0"/>
@@ -10039,7 +9934,7 @@
               <a:t> </a:t>
             </a:r>
             <a:r>
-              <a:rPr lang="de-DE" sz="3200" dirty="0" err="1" smtClean="0">
+              <a:rPr lang="de-DE" sz="3200" dirty="0" err="1">
                 <a:latin typeface="Roboto Medium" panose="02000000000000000000" pitchFamily="2" charset="0"/>
                 <a:ea typeface="Roboto Medium" panose="02000000000000000000" pitchFamily="2" charset="0"/>
                 <a:cs typeface="Roboto Medium" panose="02000000000000000000" pitchFamily="2" charset="0"/>
@@ -10047,7 +9942,7 @@
               <a:t>know</a:t>
             </a:r>
             <a:r>
-              <a:rPr lang="de-DE" sz="3200" dirty="0" smtClean="0">
+              <a:rPr lang="de-DE" sz="3200" dirty="0">
                 <a:latin typeface="Roboto Medium" panose="02000000000000000000" pitchFamily="2" charset="0"/>
                 <a:ea typeface="Roboto Medium" panose="02000000000000000000" pitchFamily="2" charset="0"/>
                 <a:cs typeface="Roboto Medium" panose="02000000000000000000" pitchFamily="2" charset="0"/>
@@ -10055,7 +9950,7 @@
               <a:t> </a:t>
             </a:r>
             <a:r>
-              <a:rPr lang="de-DE" sz="3200" dirty="0" err="1" smtClean="0">
+              <a:rPr lang="de-DE" sz="3200" dirty="0" err="1">
                 <a:latin typeface="Roboto Medium" panose="02000000000000000000" pitchFamily="2" charset="0"/>
                 <a:ea typeface="Roboto Medium" panose="02000000000000000000" pitchFamily="2" charset="0"/>
                 <a:cs typeface="Roboto Medium" panose="02000000000000000000" pitchFamily="2" charset="0"/>
@@ -10063,7 +9958,7 @@
               <a:t>the</a:t>
             </a:r>
             <a:r>
-              <a:rPr lang="de-DE" sz="3200" dirty="0" smtClean="0">
+              <a:rPr lang="de-DE" sz="3200" dirty="0">
                 <a:latin typeface="Roboto Medium" panose="02000000000000000000" pitchFamily="2" charset="0"/>
                 <a:ea typeface="Roboto Medium" panose="02000000000000000000" pitchFamily="2" charset="0"/>
                 <a:cs typeface="Roboto Medium" panose="02000000000000000000" pitchFamily="2" charset="0"/>
@@ -10071,7 +9966,7 @@
               <a:t> </a:t>
             </a:r>
             <a:r>
-              <a:rPr lang="de-DE" sz="3200" dirty="0" err="1" smtClean="0">
+              <a:rPr lang="de-DE" sz="3200" dirty="0" err="1">
                 <a:latin typeface="Roboto Medium" panose="02000000000000000000" pitchFamily="2" charset="0"/>
                 <a:ea typeface="Roboto Medium" panose="02000000000000000000" pitchFamily="2" charset="0"/>
                 <a:cs typeface="Roboto Medium" panose="02000000000000000000" pitchFamily="2" charset="0"/>
@@ -10079,7 +9974,7 @@
               <a:t>oemof-based</a:t>
             </a:r>
             <a:r>
-              <a:rPr lang="de-DE" sz="3200" dirty="0" smtClean="0">
+              <a:rPr lang="de-DE" sz="3200" dirty="0">
                 <a:latin typeface="Roboto Medium" panose="02000000000000000000" pitchFamily="2" charset="0"/>
                 <a:ea typeface="Roboto Medium" panose="02000000000000000000" pitchFamily="2" charset="0"/>
                 <a:cs typeface="Roboto Medium" panose="02000000000000000000" pitchFamily="2" charset="0"/>
@@ -10087,7 +9982,7 @@
               <a:t> MVS </a:t>
             </a:r>
             <a:r>
-              <a:rPr lang="de-DE" sz="3200" dirty="0" err="1" smtClean="0">
+              <a:rPr lang="de-DE" sz="3200" dirty="0" err="1">
                 <a:latin typeface="Roboto Medium" panose="02000000000000000000" pitchFamily="2" charset="0"/>
                 <a:ea typeface="Roboto Medium" panose="02000000000000000000" pitchFamily="2" charset="0"/>
                 <a:cs typeface="Roboto Medium" panose="02000000000000000000" pitchFamily="2" charset="0"/>
@@ -10095,7 +9990,7 @@
               <a:t>from</a:t>
             </a:r>
             <a:r>
-              <a:rPr lang="de-DE" sz="3200" dirty="0" smtClean="0">
+              <a:rPr lang="de-DE" sz="3200" dirty="0">
                 <a:latin typeface="Roboto Medium" panose="02000000000000000000" pitchFamily="2" charset="0"/>
                 <a:ea typeface="Roboto Medium" panose="02000000000000000000" pitchFamily="2" charset="0"/>
                 <a:cs typeface="Roboto Medium" panose="02000000000000000000" pitchFamily="2" charset="0"/>
@@ -10103,7 +9998,7 @@
               <a:t> </a:t>
             </a:r>
             <a:r>
-              <a:rPr lang="de-DE" sz="3200" dirty="0" err="1" smtClean="0">
+              <a:rPr lang="de-DE" sz="3200" dirty="0" err="1">
                 <a:latin typeface="Roboto Medium" panose="02000000000000000000" pitchFamily="2" charset="0"/>
                 <a:ea typeface="Roboto Medium" panose="02000000000000000000" pitchFamily="2" charset="0"/>
                 <a:cs typeface="Roboto Medium" panose="02000000000000000000" pitchFamily="2" charset="0"/>
@@ -10111,7 +10006,7 @@
               <a:t>the</a:t>
             </a:r>
             <a:r>
-              <a:rPr lang="de-DE" sz="3200" dirty="0" smtClean="0">
+              <a:rPr lang="de-DE" sz="3200" dirty="0">
                 <a:latin typeface="Roboto Medium" panose="02000000000000000000" pitchFamily="2" charset="0"/>
                 <a:ea typeface="Roboto Medium" panose="02000000000000000000" pitchFamily="2" charset="0"/>
                 <a:cs typeface="Roboto Medium" panose="02000000000000000000" pitchFamily="2" charset="0"/>
@@ -10119,14 +10014,14 @@
               <a:t> E-Land </a:t>
             </a:r>
             <a:r>
-              <a:rPr lang="de-DE" sz="3200" dirty="0" err="1" smtClean="0">
+              <a:rPr lang="de-DE" sz="3200" dirty="0" err="1">
                 <a:latin typeface="Roboto Medium" panose="02000000000000000000" pitchFamily="2" charset="0"/>
                 <a:ea typeface="Roboto Medium" panose="02000000000000000000" pitchFamily="2" charset="0"/>
                 <a:cs typeface="Roboto Medium" panose="02000000000000000000" pitchFamily="2" charset="0"/>
               </a:rPr>
               <a:t>toolbox</a:t>
             </a:r>
-            <a:endParaRPr lang="de-DE" sz="3200" dirty="0" smtClean="0">
+            <a:endParaRPr lang="de-DE" sz="3200" dirty="0">
               <a:latin typeface="Roboto Medium" panose="02000000000000000000" pitchFamily="2" charset="0"/>
               <a:ea typeface="Roboto Medium" panose="02000000000000000000" pitchFamily="2" charset="0"/>
               <a:cs typeface="Roboto Medium" panose="02000000000000000000" pitchFamily="2" charset="0"/>
@@ -10134,10 +10029,60 @@
           </a:p>
         </p:txBody>
       </p:sp>
+      <p:sp>
+        <p:nvSpPr>
+          <p:cNvPr id="7" name="Rechteck 6"/>
+          <p:cNvSpPr/>
+          <p:nvPr/>
+        </p:nvSpPr>
+        <p:spPr>
+          <a:xfrm>
+            <a:off x="468761" y="5773161"/>
+            <a:ext cx="8206477" cy="707886"/>
+          </a:xfrm>
+          <a:prstGeom prst="rect">
+            <a:avLst/>
+          </a:prstGeom>
+        </p:spPr>
+        <p:txBody>
+          <a:bodyPr wrap="none">
+            <a:spAutoFit/>
+          </a:bodyPr>
+          <a:lstStyle/>
+          <a:p>
+            <a:r>
+              <a:rPr lang="en-GB" sz="2000" dirty="0" smtClean="0"/>
+              <a:t>All workshop contents at: </a:t>
+            </a:r>
+            <a:r>
+              <a:rPr lang="en-GB" sz="2000" dirty="0" smtClean="0">
+                <a:hlinkClick r:id="rId3"/>
+              </a:rPr>
+              <a:t>https</a:t>
+            </a:r>
+            <a:r>
+              <a:rPr lang="en-GB" sz="2000" dirty="0">
+                <a:hlinkClick r:id="rId3"/>
+              </a:rPr>
+              <a:t>://</a:t>
+            </a:r>
+            <a:r>
+              <a:rPr lang="en-GB" sz="2000" dirty="0" smtClean="0">
+                <a:hlinkClick r:id="rId3"/>
+              </a:rPr>
+              <a:t>github.com/smartie2076/oemof_workshop</a:t>
+            </a:r>
+            <a:endParaRPr lang="en-GB" sz="2000" dirty="0" smtClean="0"/>
+          </a:p>
+          <a:p>
+            <a:endParaRPr lang="en-GB" sz="2000" dirty="0"/>
+          </a:p>
+        </p:txBody>
+      </p:sp>
     </p:spTree>
     <p:extLst>
       <p:ext uri="{BB962C8B-B14F-4D97-AF65-F5344CB8AC3E}">
-        <p14:creationId xmlns:p14="http://schemas.microsoft.com/office/powerpoint/2010/main" val="2937124568"/>
+        <p14:creationId xmlns:p14="http://schemas.microsoft.com/office/powerpoint/2010/main" val="3329582576"/>
       </p:ext>
     </p:extLst>
   </p:cSld>
@@ -10173,48 +10118,47 @@
       </p:grpSpPr>
       <p:sp>
         <p:nvSpPr>
-          <p:cNvPr id="3" name="Datumsplatzhalter 2"/>
-          <p:cNvSpPr>
-            <a:spLocks noGrp="1"/>
-          </p:cNvSpPr>
-          <p:nvPr>
-            <p:ph type="dt" sz="half" idx="19"/>
-          </p:nvPr>
-        </p:nvSpPr>
-        <p:spPr>
-          <a:xfrm>
-            <a:off x="628650" y="6487210"/>
-            <a:ext cx="2057400" cy="365125"/>
-          </a:xfrm>
-        </p:spPr>
+          <p:cNvPr id="2" name="Titel 1"/>
+          <p:cNvSpPr>
+            <a:spLocks noGrp="1"/>
+          </p:cNvSpPr>
+          <p:nvPr>
+            <p:ph type="title"/>
+          </p:nvPr>
+        </p:nvSpPr>
+        <p:spPr/>
         <p:txBody>
           <a:bodyPr/>
           <a:lstStyle/>
           <a:p>
-            <a:r>
-              <a:rPr lang="en-US" dirty="0" smtClean="0"/>
-              <a:t>September 16, 2019</a:t>
-            </a:r>
-            <a:endParaRPr lang="de-DE" dirty="0"/>
-          </a:p>
-        </p:txBody>
-      </p:sp>
-      <p:sp>
-        <p:nvSpPr>
-          <p:cNvPr id="4" name="Foliennummernplatzhalter 3"/>
-          <p:cNvSpPr>
-            <a:spLocks noGrp="1"/>
-          </p:cNvSpPr>
-          <p:nvPr>
-            <p:ph type="sldNum" sz="quarter" idx="21"/>
-          </p:nvPr>
-        </p:nvSpPr>
-        <p:spPr>
-          <a:xfrm>
-            <a:off x="6457950" y="6487210"/>
-            <a:ext cx="2057400" cy="365125"/>
-          </a:xfrm>
-        </p:spPr>
+            <a:pPr lvl="0"/>
+            <a:r>
+              <a:rPr lang="en-US" dirty="0" smtClean="0">
+                <a:latin typeface="Roboto" panose="02000000000000000000" pitchFamily="2" charset="0"/>
+                <a:ea typeface="Roboto" panose="02000000000000000000" pitchFamily="2" charset="0"/>
+                <a:cs typeface="Roboto" panose="02000000000000000000" pitchFamily="2" charset="0"/>
+              </a:rPr>
+              <a:t>Agenda of the day</a:t>
+            </a:r>
+            <a:endParaRPr lang="en-US" dirty="0">
+              <a:latin typeface="Roboto" panose="02000000000000000000" pitchFamily="2" charset="0"/>
+              <a:ea typeface="Roboto" panose="02000000000000000000" pitchFamily="2" charset="0"/>
+              <a:cs typeface="Roboto" panose="02000000000000000000" pitchFamily="2" charset="0"/>
+            </a:endParaRPr>
+          </a:p>
+        </p:txBody>
+      </p:sp>
+      <p:sp>
+        <p:nvSpPr>
+          <p:cNvPr id="3" name="Foliennummernplatzhalter 2"/>
+          <p:cNvSpPr>
+            <a:spLocks noGrp="1"/>
+          </p:cNvSpPr>
+          <p:nvPr>
+            <p:ph type="sldNum" sz="quarter" idx="11"/>
+          </p:nvPr>
+        </p:nvSpPr>
+        <p:spPr/>
         <p:txBody>
           <a:bodyPr/>
           <a:lstStyle/>
@@ -10230,290 +10174,6 @@
       </p:sp>
       <p:sp>
         <p:nvSpPr>
-          <p:cNvPr id="5" name="Fußzeilenplatzhalter 4"/>
-          <p:cNvSpPr>
-            <a:spLocks noGrp="1"/>
-          </p:cNvSpPr>
-          <p:nvPr>
-            <p:ph type="ftr" sz="quarter" idx="20"/>
-          </p:nvPr>
-        </p:nvSpPr>
-        <p:spPr>
-          <a:xfrm>
-            <a:off x="3028950" y="6487210"/>
-            <a:ext cx="3086100" cy="365125"/>
-          </a:xfrm>
-        </p:spPr>
-        <p:txBody>
-          <a:bodyPr/>
-          <a:lstStyle/>
-          <a:p>
-            <a:r>
-              <a:rPr lang="en-US" smtClean="0"/>
-              <a:t>Reiner Lemoine Institut</a:t>
-            </a:r>
-            <a:endParaRPr lang="de-DE" dirty="0"/>
-          </a:p>
-        </p:txBody>
-      </p:sp>
-      <p:sp>
-        <p:nvSpPr>
-          <p:cNvPr id="11" name="Titel 10"/>
-          <p:cNvSpPr>
-            <a:spLocks noGrp="1"/>
-          </p:cNvSpPr>
-          <p:nvPr>
-            <p:ph type="title"/>
-          </p:nvPr>
-        </p:nvSpPr>
-        <p:spPr/>
-        <p:txBody>
-          <a:bodyPr>
-            <a:normAutofit/>
-          </a:bodyPr>
-          <a:lstStyle/>
-          <a:p>
-            <a:r>
-              <a:rPr lang="de-DE" dirty="0" err="1" smtClean="0"/>
-              <a:t>Introducing</a:t>
-            </a:r>
-            <a:r>
-              <a:rPr lang="de-DE" dirty="0" smtClean="0"/>
-              <a:t> </a:t>
-            </a:r>
-            <a:r>
-              <a:rPr lang="de-DE" dirty="0" err="1" smtClean="0"/>
-              <a:t>words</a:t>
-            </a:r>
-            <a:endParaRPr lang="de-DE" dirty="0"/>
-          </a:p>
-        </p:txBody>
-      </p:sp>
-      <p:sp>
-        <p:nvSpPr>
-          <p:cNvPr id="2" name="Textplatzhalter 1"/>
-          <p:cNvSpPr>
-            <a:spLocks noGrp="1"/>
-          </p:cNvSpPr>
-          <p:nvPr>
-            <p:ph type="body" sz="quarter" idx="17"/>
-          </p:nvPr>
-        </p:nvSpPr>
-        <p:spPr>
-          <a:xfrm>
-            <a:off x="1470056" y="2531772"/>
-            <a:ext cx="6016594" cy="2069725"/>
-          </a:xfrm>
-          <a:solidFill>
-            <a:schemeClr val="bg1">
-              <a:lumMod val="95000"/>
-            </a:schemeClr>
-          </a:solidFill>
-        </p:spPr>
-        <p:txBody>
-          <a:bodyPr anchor="ctr">
-            <a:normAutofit/>
-          </a:bodyPr>
-          <a:lstStyle/>
-          <a:p>
-            <a:pPr algn="ctr">
-              <a:spcAft>
-                <a:spcPts val="600"/>
-              </a:spcAft>
-            </a:pPr>
-            <a:r>
-              <a:rPr lang="de-DE" sz="3200" b="1" dirty="0" smtClean="0">
-                <a:latin typeface="Roboto Medium" panose="02000000000000000000" pitchFamily="2" charset="0"/>
-                <a:ea typeface="Roboto Medium" panose="02000000000000000000" pitchFamily="2" charset="0"/>
-                <a:cs typeface="Roboto Medium" panose="02000000000000000000" pitchFamily="2" charset="0"/>
-              </a:rPr>
-              <a:t>Welcome </a:t>
-            </a:r>
-            <a:r>
-              <a:rPr lang="de-DE" sz="3200" b="1" dirty="0" err="1" smtClean="0">
-                <a:latin typeface="Roboto Medium" panose="02000000000000000000" pitchFamily="2" charset="0"/>
-                <a:ea typeface="Roboto Medium" panose="02000000000000000000" pitchFamily="2" charset="0"/>
-                <a:cs typeface="Roboto Medium" panose="02000000000000000000" pitchFamily="2" charset="0"/>
-              </a:rPr>
-              <a:t>to</a:t>
-            </a:r>
-            <a:r>
-              <a:rPr lang="de-DE" sz="3200" b="1" dirty="0" smtClean="0">
-                <a:latin typeface="Roboto Medium" panose="02000000000000000000" pitchFamily="2" charset="0"/>
-                <a:ea typeface="Roboto Medium" panose="02000000000000000000" pitchFamily="2" charset="0"/>
-                <a:cs typeface="Roboto Medium" panose="02000000000000000000" pitchFamily="2" charset="0"/>
-              </a:rPr>
-              <a:t> </a:t>
-            </a:r>
-            <a:r>
-              <a:rPr lang="de-DE" sz="3200" b="1" dirty="0" err="1" smtClean="0">
-                <a:latin typeface="Roboto Medium" panose="02000000000000000000" pitchFamily="2" charset="0"/>
-                <a:ea typeface="Roboto Medium" panose="02000000000000000000" pitchFamily="2" charset="0"/>
-                <a:cs typeface="Roboto Medium" panose="02000000000000000000" pitchFamily="2" charset="0"/>
-              </a:rPr>
-              <a:t>the</a:t>
-            </a:r>
-            <a:r>
-              <a:rPr lang="de-DE" sz="3200" b="1" dirty="0" smtClean="0">
-                <a:latin typeface="Roboto Medium" panose="02000000000000000000" pitchFamily="2" charset="0"/>
-                <a:ea typeface="Roboto Medium" panose="02000000000000000000" pitchFamily="2" charset="0"/>
-                <a:cs typeface="Roboto Medium" panose="02000000000000000000" pitchFamily="2" charset="0"/>
-              </a:rPr>
-              <a:t> RLI!</a:t>
-            </a:r>
-            <a:endParaRPr lang="de-DE" sz="3200" dirty="0" smtClean="0">
-              <a:latin typeface="Roboto Medium" panose="02000000000000000000" pitchFamily="2" charset="0"/>
-              <a:ea typeface="Roboto Medium" panose="02000000000000000000" pitchFamily="2" charset="0"/>
-              <a:cs typeface="Roboto Medium" panose="02000000000000000000" pitchFamily="2" charset="0"/>
-            </a:endParaRPr>
-          </a:p>
-        </p:txBody>
-      </p:sp>
-      <p:sp>
-        <p:nvSpPr>
-          <p:cNvPr id="7" name="Rechteck 6"/>
-          <p:cNvSpPr/>
-          <p:nvPr/>
-        </p:nvSpPr>
-        <p:spPr>
-          <a:xfrm>
-            <a:off x="468761" y="5773161"/>
-            <a:ext cx="8206477" cy="707886"/>
-          </a:xfrm>
-          <a:prstGeom prst="rect">
-            <a:avLst/>
-          </a:prstGeom>
-        </p:spPr>
-        <p:txBody>
-          <a:bodyPr wrap="none">
-            <a:spAutoFit/>
-          </a:bodyPr>
-          <a:lstStyle/>
-          <a:p>
-            <a:r>
-              <a:rPr lang="en-GB" sz="2000" dirty="0" smtClean="0"/>
-              <a:t>All workshop contents at: </a:t>
-            </a:r>
-            <a:r>
-              <a:rPr lang="en-GB" sz="2000" dirty="0" smtClean="0">
-                <a:hlinkClick r:id="rId3"/>
-              </a:rPr>
-              <a:t>https</a:t>
-            </a:r>
-            <a:r>
-              <a:rPr lang="en-GB" sz="2000" dirty="0">
-                <a:hlinkClick r:id="rId3"/>
-              </a:rPr>
-              <a:t>://</a:t>
-            </a:r>
-            <a:r>
-              <a:rPr lang="en-GB" sz="2000" dirty="0" smtClean="0">
-                <a:hlinkClick r:id="rId3"/>
-              </a:rPr>
-              <a:t>github.com/smartie2076/oemof_workshop</a:t>
-            </a:r>
-            <a:endParaRPr lang="en-GB" sz="2000" dirty="0" smtClean="0"/>
-          </a:p>
-          <a:p>
-            <a:endParaRPr lang="en-GB" sz="2000" dirty="0"/>
-          </a:p>
-        </p:txBody>
-      </p:sp>
-    </p:spTree>
-    <p:extLst>
-      <p:ext uri="{BB962C8B-B14F-4D97-AF65-F5344CB8AC3E}">
-        <p14:creationId xmlns:p14="http://schemas.microsoft.com/office/powerpoint/2010/main" val="3329582576"/>
-      </p:ext>
-    </p:extLst>
-  </p:cSld>
-  <p:clrMapOvr>
-    <a:masterClrMapping/>
-  </p:clrMapOvr>
-  <p:timing>
-    <p:tnLst>
-      <p:par>
-        <p:cTn id="1" dur="indefinite" restart="never" nodeType="tmRoot"/>
-      </p:par>
-    </p:tnLst>
-  </p:timing>
-</p:sld>
-</file>
-
-<file path=ppt/slides/slide4.xml><?xml version="1.0" encoding="utf-8"?>
-<p:sld xmlns:a="http://schemas.openxmlformats.org/drawingml/2006/main" xmlns:r="http://schemas.openxmlformats.org/officeDocument/2006/relationships" xmlns:p="http://schemas.openxmlformats.org/presentationml/2006/main">
-  <p:cSld>
-    <p:spTree>
-      <p:nvGrpSpPr>
-        <p:cNvPr id="1" name=""/>
-        <p:cNvGrpSpPr/>
-        <p:nvPr/>
-      </p:nvGrpSpPr>
-      <p:grpSpPr>
-        <a:xfrm>
-          <a:off x="0" y="0"/>
-          <a:ext cx="0" cy="0"/>
-          <a:chOff x="0" y="0"/>
-          <a:chExt cx="0" cy="0"/>
-        </a:xfrm>
-      </p:grpSpPr>
-      <p:sp>
-        <p:nvSpPr>
-          <p:cNvPr id="2" name="Titel 1"/>
-          <p:cNvSpPr>
-            <a:spLocks noGrp="1"/>
-          </p:cNvSpPr>
-          <p:nvPr>
-            <p:ph type="title"/>
-          </p:nvPr>
-        </p:nvSpPr>
-        <p:spPr/>
-        <p:txBody>
-          <a:bodyPr/>
-          <a:lstStyle/>
-          <a:p>
-            <a:pPr lvl="0"/>
-            <a:r>
-              <a:rPr lang="en-US" dirty="0" smtClean="0">
-                <a:latin typeface="Roboto" panose="02000000000000000000" pitchFamily="2" charset="0"/>
-                <a:ea typeface="Roboto" panose="02000000000000000000" pitchFamily="2" charset="0"/>
-                <a:cs typeface="Roboto" panose="02000000000000000000" pitchFamily="2" charset="0"/>
-              </a:rPr>
-              <a:t>Agenda of the day</a:t>
-            </a:r>
-            <a:endParaRPr lang="en-US" dirty="0">
-              <a:latin typeface="Roboto" panose="02000000000000000000" pitchFamily="2" charset="0"/>
-              <a:ea typeface="Roboto" panose="02000000000000000000" pitchFamily="2" charset="0"/>
-              <a:cs typeface="Roboto" panose="02000000000000000000" pitchFamily="2" charset="0"/>
-            </a:endParaRPr>
-          </a:p>
-        </p:txBody>
-      </p:sp>
-      <p:sp>
-        <p:nvSpPr>
-          <p:cNvPr id="3" name="Foliennummernplatzhalter 2"/>
-          <p:cNvSpPr>
-            <a:spLocks noGrp="1"/>
-          </p:cNvSpPr>
-          <p:nvPr>
-            <p:ph type="sldNum" sz="quarter" idx="11"/>
-          </p:nvPr>
-        </p:nvSpPr>
-        <p:spPr/>
-        <p:txBody>
-          <a:bodyPr/>
-          <a:lstStyle/>
-          <a:p>
-            <a:fld id="{C2A96E4E-EC3F-424D-8211-F17AF9FC0446}" type="slidenum">
-              <a:rPr lang="de-DE" smtClean="0"/>
-              <a:pPr/>
-              <a:t>3</a:t>
-            </a:fld>
-            <a:endParaRPr lang="de-DE" dirty="0"/>
-          </a:p>
-        </p:txBody>
-      </p:sp>
-      <p:sp>
-        <p:nvSpPr>
           <p:cNvPr id="4" name="Fußzeilenplatzhalter 3"/>
           <p:cNvSpPr>
             <a:spLocks noGrp="1"/>
@@ -10567,7 +10227,7 @@
           <p:nvPr>
             <p:extLst>
               <p:ext uri="{D42A27DB-BD31-4B8C-83A1-F6EECF244321}">
-                <p14:modId xmlns:p14="http://schemas.microsoft.com/office/powerpoint/2010/main" val="1951824112"/>
+                <p14:modId xmlns:p14="http://schemas.microsoft.com/office/powerpoint/2010/main" val="2261482365"/>
               </p:ext>
             </p:extLst>
           </p:nvPr>
@@ -11467,7 +11127,7 @@
                       </a:r>
                       <a:r>
                         <a:rPr lang="de-DE" baseline="0" dirty="0" err="1" smtClean="0"/>
-                        <a:t>utilization</a:t>
+                        <a:t>testing</a:t>
                       </a:r>
                       <a:endParaRPr lang="de-DE" dirty="0"/>
                     </a:p>
@@ -12758,7 +12418,7 @@
 </p:sld>
 </file>
 
-<file path=ppt/slides/slide5.xml><?xml version="1.0" encoding="utf-8"?>
+<file path=ppt/slides/slide4.xml><?xml version="1.0" encoding="utf-8"?>
 <p:sld xmlns:a="http://schemas.openxmlformats.org/drawingml/2006/main" xmlns:r="http://schemas.openxmlformats.org/officeDocument/2006/relationships" xmlns:p="http://schemas.openxmlformats.org/presentationml/2006/main">
   <p:cSld>
     <p:spTree>
@@ -12828,7 +12488,7 @@
                 </a:solidFill>
               </a:rPr>
               <a:pPr/>
-              <a:t>4</a:t>
+              <a:t>3</a:t>
             </a:fld>
             <a:endParaRPr lang="de-DE" dirty="0">
               <a:solidFill>
